--- a/Masterarbeit/Wochenmeetings/Übersicht_EL_KW49.pptx
+++ b/Masterarbeit/Wochenmeetings/Übersicht_EL_KW49.pptx
@@ -992,7 +992,7 @@
           <a:p>
             <a:fld id="{74DC2A52-73E6-4EF3-A22B-333B4C1D6725}" type="datetimeFigureOut">
               <a:rPr lang="en-US" smtClean="0"/>
-              <a:t>12/2/2021</a:t>
+              <a:t>12/3/2021</a:t>
             </a:fld>
             <a:endParaRPr lang="en-US"/>
           </a:p>
@@ -4102,7 +4102,7 @@
         </p:blipFill>
         <p:spPr>
           <a:xfrm>
-            <a:off x="157162" y="1815353"/>
+            <a:off x="157162" y="1815352"/>
             <a:ext cx="11877675" cy="3962400"/>
           </a:xfrm>
           <a:prstGeom prst="rect">
@@ -4110,6 +4110,80 @@
           </a:prstGeom>
         </p:spPr>
       </p:pic>
+      <p:sp>
+        <p:nvSpPr>
+          <p:cNvPr id="3" name="Textfeld 2">
+            <a:extLst>
+              <a:ext uri="{FF2B5EF4-FFF2-40B4-BE49-F238E27FC236}">
+                <a16:creationId xmlns:a16="http://schemas.microsoft.com/office/drawing/2014/main" id="{237E264B-6207-4489-B32D-A80D846CA2FA}"/>
+              </a:ext>
+            </a:extLst>
+          </p:cNvPr>
+          <p:cNvSpPr txBox="1"/>
+          <p:nvPr/>
+        </p:nvSpPr>
+        <p:spPr>
+          <a:xfrm>
+            <a:off x="813732" y="1661464"/>
+            <a:ext cx="1437894" cy="307777"/>
+          </a:xfrm>
+          <a:prstGeom prst="rect">
+            <a:avLst/>
+          </a:prstGeom>
+        </p:spPr>
+        <p:txBody>
+          <a:bodyPr vert="horz" wrap="none" lIns="0" tIns="0" rIns="0" bIns="0" rtlCol="0">
+            <a:spAutoFit/>
+          </a:bodyPr>
+          <a:lstStyle/>
+          <a:p>
+            <a:pPr algn="l"/>
+            <a:r>
+              <a:rPr lang="de-DE" sz="2000" i="0" dirty="0"/>
+              <a:t>Mit Extender</a:t>
+            </a:r>
+          </a:p>
+        </p:txBody>
+      </p:sp>
+      <p:sp>
+        <p:nvSpPr>
+          <p:cNvPr id="8" name="Textfeld 7">
+            <a:extLst>
+              <a:ext uri="{FF2B5EF4-FFF2-40B4-BE49-F238E27FC236}">
+                <a16:creationId xmlns:a16="http://schemas.microsoft.com/office/drawing/2014/main" id="{720D358E-D0B6-44F1-81C1-94C4AABFB6A6}"/>
+              </a:ext>
+            </a:extLst>
+          </p:cNvPr>
+          <p:cNvSpPr txBox="1"/>
+          <p:nvPr/>
+        </p:nvSpPr>
+        <p:spPr>
+          <a:xfrm>
+            <a:off x="4883790" y="1661464"/>
+            <a:ext cx="1723229" cy="307777"/>
+          </a:xfrm>
+          <a:prstGeom prst="rect">
+            <a:avLst/>
+          </a:prstGeom>
+        </p:spPr>
+        <p:txBody>
+          <a:bodyPr vert="horz" wrap="none" lIns="0" tIns="0" rIns="0" bIns="0" rtlCol="0">
+            <a:spAutoFit/>
+          </a:bodyPr>
+          <a:lstStyle/>
+          <a:p>
+            <a:pPr algn="l"/>
+            <a:r>
+              <a:rPr lang="de-DE" sz="2000" dirty="0"/>
+              <a:t>Ohne</a:t>
+            </a:r>
+            <a:r>
+              <a:rPr lang="de-DE" sz="2000" i="0" dirty="0"/>
+              <a:t> Extender</a:t>
+            </a:r>
+          </a:p>
+        </p:txBody>
+      </p:sp>
     </p:spTree>
     <p:extLst>
       <p:ext uri="{BB962C8B-B14F-4D97-AF65-F5344CB8AC3E}">
